--- a/ppt/Exodus/exo3_11-22.pptx
+++ b/ppt/Exodus/exo3_11-22.pptx
@@ -5,7 +5,7 @@
     <p:sldMasterId id="2147483648" r:id="rId1"/>
   </p:sldMasterIdLst>
   <p:notesMasterIdLst>
-    <p:notesMasterId r:id="rId12"/>
+    <p:notesMasterId r:id="rId13"/>
   </p:notesMasterIdLst>
   <p:sldIdLst>
     <p:sldId id="1414" r:id="rId2"/>
@@ -15,9 +15,10 @@
     <p:sldId id="1461" r:id="rId6"/>
     <p:sldId id="1463" r:id="rId7"/>
     <p:sldId id="1464" r:id="rId8"/>
-    <p:sldId id="1443" r:id="rId9"/>
-    <p:sldId id="1459" r:id="rId10"/>
-    <p:sldId id="1453" r:id="rId11"/>
+    <p:sldId id="1465" r:id="rId9"/>
+    <p:sldId id="1443" r:id="rId10"/>
+    <p:sldId id="1459" r:id="rId11"/>
+    <p:sldId id="1453" r:id="rId12"/>
   </p:sldIdLst>
   <p:sldSz cx="12192000" cy="6858000"/>
   <p:notesSz cx="6858000" cy="9144000"/>
@@ -4230,6 +4231,123 @@
           <a:chExt cx="0" cy="0"/>
         </a:xfrm>
       </p:grpSpPr>
+      <p:graphicFrame>
+        <p:nvGraphicFramePr>
+          <p:cNvPr id="4" name="Content Placeholder 3"/>
+          <p:cNvGraphicFramePr>
+            <a:graphicFrameLocks noGrp="1"/>
+          </p:cNvGraphicFramePr>
+          <p:nvPr>
+            <p:ph idx="1"/>
+            <p:custDataLst>
+              <p:tags r:id="rId1"/>
+            </p:custDataLst>
+          </p:nvPr>
+        </p:nvGraphicFramePr>
+        <p:xfrm>
+          <a:off x="480695" y="478203"/>
+          <a:ext cx="11230610" cy="6045689"/>
+        </p:xfrm>
+        <a:graphic>
+          <a:graphicData uri="http://schemas.openxmlformats.org/drawingml/2006/table">
+            <a:tbl>
+              <a:tblPr firstRow="1" bandRow="1">
+                <a:tableStyleId>{5C22544A-7EE6-4342-B048-85BDC9FD1C3A}</a:tableStyleId>
+              </a:tblPr>
+              <a:tblGrid>
+                <a:gridCol w="11230610">
+                  <a:extLst>
+                    <a:ext uri="{9D8B030D-6E8A-4147-A177-3AD203B41FA5}">
+                      <a16:colId xmlns:a16="http://schemas.microsoft.com/office/drawing/2014/main" val="20000"/>
+                    </a:ext>
+                  </a:extLst>
+                </a:gridCol>
+              </a:tblGrid>
+              <a:tr h="656609">
+                <a:tc>
+                  <a:txBody>
+                    <a:bodyPr/>
+                    <a:lstStyle/>
+                    <a:p>
+                      <a:pPr algn="ctr">
+                        <a:buNone/>
+                      </a:pPr>
+                      <a:r>
+                        <a:rPr lang="en-US" altLang="zh-CN" sz="3200" dirty="0"/>
+                        <a:t>Closing Prayer</a:t>
+                      </a:r>
+                    </a:p>
+                  </a:txBody>
+                  <a:tcPr/>
+                </a:tc>
+                <a:extLst>
+                  <a:ext uri="{0D108BD9-81ED-4DB2-BD59-A6C34878D82A}">
+                    <a16:rowId xmlns:a16="http://schemas.microsoft.com/office/drawing/2014/main" val="10000"/>
+                  </a:ext>
+                </a:extLst>
+              </a:tr>
+              <a:tr h="5389080">
+                <a:tc>
+                  <a:txBody>
+                    <a:bodyPr/>
+                    <a:lstStyle/>
+                    <a:p>
+                      <a:pPr algn="l">
+                        <a:buNone/>
+                      </a:pPr>
+                      <a:r>
+                        <a:rPr lang="en-US" sz="2800" i="1" dirty="0"/>
+                        <a:t>Dear Heavenly Father, </a:t>
+                      </a:r>
+                      <a:r>
+                        <a:rPr lang="en-US" sz="2800" dirty="0"/>
+                        <a:t>the Glorious Lord, the Creator, and Sovereign of all things. Thank you for your mercy and grace. Thank you for calling us, the parents. Thank you for giving us, the parents, the educational authority. Our children are your heritage. We are the sinners; we do not deserve it. May Your Holy Spirit call us, guide us. Bless our children and young generation to be able to know you, follow you to be the devotional generation. May your name be glorified, generation by generation, and forever. I pray in the name of Jesus. Amen.  </a:t>
+                      </a:r>
+                      <a:endParaRPr lang="en-US" sz="2800" i="1" dirty="0"/>
+                    </a:p>
+                  </a:txBody>
+                  <a:tcPr marL="137160" marR="137160" marT="137160" marB="137160"/>
+                </a:tc>
+                <a:extLst>
+                  <a:ext uri="{0D108BD9-81ED-4DB2-BD59-A6C34878D82A}">
+                    <a16:rowId xmlns:a16="http://schemas.microsoft.com/office/drawing/2014/main" val="10001"/>
+                  </a:ext>
+                </a:extLst>
+              </a:tr>
+            </a:tbl>
+          </a:graphicData>
+        </a:graphic>
+      </p:graphicFrame>
+    </p:spTree>
+    <p:extLst>
+      <p:ext uri="{BB962C8B-B14F-4D97-AF65-F5344CB8AC3E}">
+        <p14:creationId xmlns:p14="http://schemas.microsoft.com/office/powerpoint/2010/main" val="3761109616"/>
+      </p:ext>
+    </p:extLst>
+  </p:cSld>
+  <p:clrMapOvr>
+    <a:masterClrMapping/>
+  </p:clrMapOvr>
+</p:sld>
+</file>
+
+<file path=ppt/slides/slide11.xml><?xml version="1.0" encoding="utf-8"?>
+<p:sld xmlns:a="http://schemas.openxmlformats.org/drawingml/2006/main" xmlns:r="http://schemas.openxmlformats.org/officeDocument/2006/relationships" xmlns:p="http://schemas.openxmlformats.org/presentationml/2006/main">
+  <p:cSld>
+    <p:spTree>
+      <p:nvGrpSpPr>
+        <p:cNvPr id="1" name=""/>
+        <p:cNvGrpSpPr/>
+        <p:nvPr/>
+      </p:nvGrpSpPr>
+      <p:grpSpPr>
+        <a:xfrm>
+          <a:off x="0" y="0"/>
+          <a:ext cx="0" cy="0"/>
+          <a:chOff x="0" y="0"/>
+          <a:chExt cx="0" cy="0"/>
+        </a:xfrm>
+      </p:grpSpPr>
       <p:sp>
         <p:nvSpPr>
           <p:cNvPr id="2" name="Title 1"/>
@@ -4318,6 +4436,7 @@
                   <a:srgbClr val="FF0000"/>
                 </a:solidFill>
                 <a:sym typeface="+mn-ea"/>
+                <a:hlinkClick r:id="rId3"/>
               </a:rPr>
               <a:t>https://</a:t>
             </a:r>
@@ -4327,6 +4446,7 @@
                   <a:srgbClr val="FF0000"/>
                 </a:solidFill>
                 <a:sym typeface="+mn-ea"/>
+                <a:hlinkClick r:id="rId3"/>
               </a:rPr>
               <a:t>www.youtube.com</a:t>
             </a:r>
@@ -4336,6 +4456,7 @@
                   <a:srgbClr val="FF0000"/>
                 </a:solidFill>
                 <a:sym typeface="+mn-ea"/>
+                <a:hlinkClick r:id="rId3"/>
               </a:rPr>
               <a:t>/</a:t>
             </a:r>
@@ -4345,6 +4466,7 @@
                   <a:srgbClr val="FF0000"/>
                 </a:solidFill>
                 <a:sym typeface="+mn-ea"/>
+                <a:hlinkClick r:id="rId3"/>
               </a:rPr>
               <a:t>watch?v</a:t>
             </a:r>
@@ -4354,6 +4476,7 @@
                   <a:srgbClr val="FF0000"/>
                 </a:solidFill>
                 <a:sym typeface="+mn-ea"/>
+                <a:hlinkClick r:id="rId3"/>
               </a:rPr>
               <a:t>=yNtid3wdDWA&amp;list=RDyNtid3wdDWA&amp;start_radio=1&amp;ab_channel=</a:t>
             </a:r>
@@ -4363,15 +4486,20 @@
                   <a:srgbClr val="FF0000"/>
                 </a:solidFill>
                 <a:sym typeface="+mn-ea"/>
+                <a:hlinkClick r:id="rId3"/>
               </a:rPr>
               <a:t>GaiseBaba</a:t>
             </a:r>
             <a:r>
               <a:rPr lang="en-US" altLang="en-US" sz="2400" dirty="0">
                 <a:sym typeface="+mn-ea"/>
+                <a:hlinkClick r:id="rId3"/>
               </a:rPr>
               <a:t>         </a:t>
             </a:r>
+            <a:endParaRPr lang="en-US" altLang="en-US" sz="2400" dirty="0">
+              <a:sym typeface="+mn-ea"/>
+            </a:endParaRPr>
           </a:p>
           <a:p>
             <a:pPr marL="635" indent="-635">
@@ -4438,7 +4566,7 @@
                   <a:srgbClr val="00B050"/>
                 </a:solidFill>
                 <a:sym typeface="+mn-ea"/>
-                <a:hlinkClick r:id="rId3"/>
+                <a:hlinkClick r:id="rId4"/>
               </a:rPr>
               <a:t>https://www.youtube.com/watch?v=a-wWKL-7Mrg</a:t>
             </a:r>
@@ -4536,7 +4664,7 @@
             </p:custDataLst>
             <p:extLst>
               <p:ext uri="{D42A27DB-BD31-4B8C-83A1-F6EECF244321}">
-                <p14:modId xmlns:p14="http://schemas.microsoft.com/office/powerpoint/2010/main" val="122069913"/>
+                <p14:modId xmlns:p14="http://schemas.microsoft.com/office/powerpoint/2010/main" val="653802339"/>
               </p:ext>
             </p:extLst>
           </p:nvPr>
@@ -4704,7 +4832,7 @@
                       </a:pPr>
                       <a:r>
                         <a:rPr lang="en-US" altLang="zh-CN" sz="2200" dirty="0"/>
-                        <a:t>God’s Command</a:t>
+                        <a:t>God’s Command </a:t>
                       </a:r>
                       <a:r>
                         <a:rPr lang="ja-JP" altLang="en-US" sz="2200"/>
@@ -4735,11 +4863,11 @@
                       </a:pPr>
                       <a:r>
                         <a:rPr lang="en-US" altLang="zh-CN" sz="2200" dirty="0"/>
-                        <a:t>God’s Promise</a:t>
+                        <a:t>God’s Promise </a:t>
                       </a:r>
                       <a:r>
                         <a:rPr lang="ja-JP" altLang="en-US" sz="2200"/>
-                        <a:t>神的应许与证据</a:t>
+                        <a:t>神的应许</a:t>
                       </a:r>
                       <a:r>
                         <a:rPr lang="en-US" altLang="zh-CN" sz="2200" dirty="0"/>
@@ -4752,7 +4880,7 @@
                       </a:pPr>
                       <a:r>
                         <a:rPr lang="en-US" altLang="zh-CN" sz="2200" dirty="0"/>
-                        <a:t>God’s Sign</a:t>
+                        <a:t>God’s Sign </a:t>
                       </a:r>
                       <a:r>
                         <a:rPr lang="ja-JP" altLang="en-US" sz="2200"/>
@@ -4783,7 +4911,7 @@
                       </a:pPr>
                       <a:r>
                         <a:rPr lang="en-US" altLang="zh-CN" sz="2200" dirty="0"/>
-                        <a:t>God’s Assurance</a:t>
+                        <a:t>God’s Assurance </a:t>
                       </a:r>
                       <a:r>
                         <a:rPr lang="ja-JP" altLang="en-US" sz="2200"/>
@@ -4877,7 +5005,7 @@
                       </a:r>
                       <a:r>
                         <a:rPr lang="en-US" altLang="ja-JP" sz="2200" dirty="0"/>
-                        <a:t>Inferiority</a:t>
+                        <a:t>Inferiority </a:t>
                       </a:r>
                       <a:r>
                         <a:rPr lang="ja-JP" altLang="en-US" sz="2200"/>
@@ -10014,334 +10142,6 @@
           <a:chExt cx="0" cy="0"/>
         </a:xfrm>
       </p:grpSpPr>
-      <p:sp>
-        <p:nvSpPr>
-          <p:cNvPr id="2" name="Title 1"/>
-          <p:cNvSpPr>
-            <a:spLocks noGrp="1"/>
-          </p:cNvSpPr>
-          <p:nvPr>
-            <p:ph type="title"/>
-          </p:nvPr>
-        </p:nvSpPr>
-        <p:spPr>
-          <a:xfrm>
-            <a:off x="609600" y="0"/>
-            <a:ext cx="11081385" cy="686435"/>
-          </a:xfrm>
-        </p:spPr>
-        <p:txBody>
-          <a:bodyPr/>
-          <a:lstStyle/>
-          <a:p>
-            <a:pPr algn="ctr"/>
-            <a:r>
-              <a:rPr lang="zh-CN" altLang="en-US" b="1" dirty="0">
-                <a:solidFill>
-                  <a:srgbClr val="00B050"/>
-                </a:solidFill>
-                <a:latin typeface="DFKai-SB" panose="03000509000000000000" pitchFamily="65" charset="-120"/>
-                <a:ea typeface="DFKai-SB" panose="03000509000000000000" pitchFamily="65" charset="-120"/>
-                <a:sym typeface="+mn-ea"/>
-              </a:rPr>
-              <a:t>個人反思</a:t>
-            </a:r>
-            <a:r>
-              <a:rPr lang="en-US" altLang="zh-CN" b="1" dirty="0">
-                <a:solidFill>
-                  <a:srgbClr val="00B050"/>
-                </a:solidFill>
-                <a:latin typeface="DFKai-SB" panose="03000509000000000000" pitchFamily="65" charset="-120"/>
-                <a:ea typeface="DFKai-SB" panose="03000509000000000000" pitchFamily="65" charset="-120"/>
-                <a:sym typeface="+mn-ea"/>
-              </a:rPr>
-              <a:t> </a:t>
-            </a:r>
-            <a:r>
-              <a:rPr lang="en-US" altLang="zh-CN" b="1" dirty="0">
-                <a:solidFill>
-                  <a:srgbClr val="FF0000"/>
-                </a:solidFill>
-                <a:latin typeface="DFKai-SB" panose="03000509000000000000" pitchFamily="65" charset="-120"/>
-                <a:ea typeface="DFKai-SB" panose="03000509000000000000" pitchFamily="65" charset="-120"/>
-                <a:sym typeface="+mn-ea"/>
-              </a:rPr>
-              <a:t>&amp; </a:t>
-            </a:r>
-            <a:r>
-              <a:rPr lang="zh-CN" altLang="en-US" b="1" dirty="0">
-                <a:solidFill>
-                  <a:srgbClr val="7030A0"/>
-                </a:solidFill>
-                <a:latin typeface="DFKai-SB" panose="03000509000000000000" pitchFamily="65" charset="-120"/>
-                <a:ea typeface="DFKai-SB" panose="03000509000000000000" pitchFamily="65" charset="-120"/>
-              </a:rPr>
-              <a:t>教養智慧</a:t>
-            </a:r>
-            <a:r>
-              <a:rPr lang="en-US" altLang="zh-CN" b="1" dirty="0">
-                <a:solidFill>
-                  <a:srgbClr val="7030A0"/>
-                </a:solidFill>
-                <a:latin typeface="DFKai-SB" panose="03000509000000000000" pitchFamily="65" charset="-120"/>
-                <a:ea typeface="DFKai-SB" panose="03000509000000000000" pitchFamily="65" charset="-120"/>
-              </a:rPr>
-              <a:t> </a:t>
-            </a:r>
-            <a:endParaRPr lang="zh-CN" altLang="en-US" sz="2400" b="1" dirty="0">
-              <a:solidFill>
-                <a:schemeClr val="tx1"/>
-              </a:solidFill>
-              <a:highlight>
-                <a:srgbClr val="FFFF00"/>
-              </a:highlight>
-              <a:latin typeface="DFKai-SB" panose="03000509000000000000" pitchFamily="65" charset="-120"/>
-              <a:ea typeface="DFKai-SB" panose="03000509000000000000" pitchFamily="65" charset="-120"/>
-            </a:endParaRPr>
-          </a:p>
-        </p:txBody>
-      </p:sp>
-      <p:sp>
-        <p:nvSpPr>
-          <p:cNvPr id="3" name="Content Placeholder 2"/>
-          <p:cNvSpPr>
-            <a:spLocks noGrp="1"/>
-          </p:cNvSpPr>
-          <p:nvPr>
-            <p:ph idx="1"/>
-            <p:custDataLst>
-              <p:tags r:id="rId1"/>
-            </p:custDataLst>
-          </p:nvPr>
-        </p:nvSpPr>
-        <p:spPr>
-          <a:xfrm>
-            <a:off x="609600" y="686435"/>
-            <a:ext cx="10972800" cy="5800090"/>
-          </a:xfrm>
-        </p:spPr>
-        <p:txBody>
-          <a:bodyPr/>
-          <a:lstStyle/>
-          <a:p>
-            <a:pPr algn="l">
-              <a:buNone/>
-            </a:pPr>
-            <a:r>
-              <a:rPr lang="en-US" altLang="zh-CN" sz="2600" dirty="0">
-                <a:sym typeface="+mn-ea"/>
-              </a:rPr>
-              <a:t> </a:t>
-            </a:r>
-            <a:r>
-              <a:rPr lang="zh-CN" altLang="en-US" b="1" dirty="0">
-                <a:solidFill>
-                  <a:srgbClr val="00B050"/>
-                </a:solidFill>
-                <a:highlight>
-                  <a:srgbClr val="FFFF00"/>
-                </a:highlight>
-                <a:latin typeface="DFKai-SB" panose="03000509000000000000" pitchFamily="65" charset="-120"/>
-                <a:ea typeface="DFKai-SB" panose="03000509000000000000" pitchFamily="65" charset="-120"/>
-              </a:rPr>
-              <a:t>個人反思</a:t>
-            </a:r>
-            <a:r>
-              <a:rPr lang="zh-CN" altLang="en-US" sz="2800" b="1" dirty="0">
-                <a:solidFill>
-                  <a:srgbClr val="00B050"/>
-                </a:solidFill>
-                <a:latin typeface="DFKai-SB" panose="03000509000000000000" pitchFamily="65" charset="-120"/>
-                <a:ea typeface="DFKai-SB" panose="03000509000000000000" pitchFamily="65" charset="-120"/>
-              </a:rPr>
-              <a:t>：</a:t>
-            </a:r>
-            <a:endParaRPr lang="zh-CN" altLang="en-US" sz="2800" dirty="0">
-              <a:sym typeface="+mn-ea"/>
-            </a:endParaRPr>
-          </a:p>
-          <a:p>
-            <a:pPr marL="357505" indent="-357505" algn="l">
-              <a:buNone/>
-            </a:pPr>
-            <a:r>
-              <a:rPr lang="en-US" altLang="zh-CN" sz="2800" dirty="0">
-                <a:sym typeface="+mn-ea"/>
-              </a:rPr>
-              <a:t>“</a:t>
-            </a:r>
-            <a:r>
-              <a:rPr lang="zh-CN" altLang="en-US" sz="2800" dirty="0">
-                <a:sym typeface="+mn-ea"/>
-              </a:rPr>
-              <a:t>我愿意让孩子相信神，但对我来说无所谓 。</a:t>
-            </a:r>
-            <a:r>
-              <a:rPr lang="en-US" altLang="zh-CN" sz="2800" dirty="0">
-                <a:sym typeface="+mn-ea"/>
-              </a:rPr>
-              <a:t>” </a:t>
-            </a:r>
-            <a:r>
-              <a:rPr lang="ja-JP" altLang="en-US" sz="2800">
-                <a:sym typeface="+mn-ea"/>
-              </a:rPr>
-              <a:t>对吗</a:t>
-            </a:r>
-            <a:r>
-              <a:rPr lang="en-US" altLang="ja-JP" sz="2800" dirty="0">
-                <a:sym typeface="+mn-ea"/>
-              </a:rPr>
-              <a:t>? </a:t>
-            </a:r>
-          </a:p>
-          <a:p>
-            <a:pPr marL="357505" indent="-357505" algn="l">
-              <a:buNone/>
-            </a:pPr>
-            <a:r>
-              <a:rPr lang="en-US" altLang="zh-CN" sz="2800" dirty="0">
-                <a:sym typeface="+mn-ea"/>
-              </a:rPr>
-              <a:t>“I hope my children to believe in God. But it doesn’t matter to me.” Is that right?</a:t>
-            </a:r>
-          </a:p>
-          <a:p>
-            <a:pPr marL="357505" indent="-357505" algn="l">
-              <a:buNone/>
-            </a:pPr>
-            <a:endParaRPr lang="en-US" altLang="zh-CN" sz="2800" b="1" dirty="0">
-              <a:solidFill>
-                <a:srgbClr val="7030A0"/>
-              </a:solidFill>
-              <a:highlight>
-                <a:srgbClr val="FFFF00"/>
-              </a:highlight>
-              <a:latin typeface="DFKai-SB" panose="03000509000000000000" pitchFamily="65" charset="-120"/>
-              <a:ea typeface="DFKai-SB" panose="03000509000000000000" pitchFamily="65" charset="-120"/>
-              <a:sym typeface="+mn-ea"/>
-            </a:endParaRPr>
-          </a:p>
-          <a:p>
-            <a:pPr marL="357505" indent="-357505">
-              <a:buNone/>
-            </a:pPr>
-            <a:r>
-              <a:rPr lang="zh-CN" altLang="en-US" b="1" dirty="0">
-                <a:solidFill>
-                  <a:srgbClr val="7030A0"/>
-                </a:solidFill>
-                <a:highlight>
-                  <a:srgbClr val="FFFF00"/>
-                </a:highlight>
-                <a:latin typeface="DFKai-SB" panose="03000509000000000000" pitchFamily="65" charset="-120"/>
-                <a:ea typeface="DFKai-SB" panose="03000509000000000000" pitchFamily="65" charset="-120"/>
-              </a:rPr>
-              <a:t>教養智慧</a:t>
-            </a:r>
-            <a:r>
-              <a:rPr lang="zh-CN" altLang="en-US" sz="2800" b="1" dirty="0">
-                <a:solidFill>
-                  <a:srgbClr val="00B0F0"/>
-                </a:solidFill>
-                <a:latin typeface="DFKai-SB" panose="03000509000000000000" pitchFamily="65" charset="-120"/>
-                <a:ea typeface="DFKai-SB" panose="03000509000000000000" pitchFamily="65" charset="-120"/>
-              </a:rPr>
-              <a:t>：</a:t>
-            </a:r>
-            <a:endParaRPr lang="en-US" altLang="zh-CN" sz="2800" b="1" dirty="0">
-              <a:solidFill>
-                <a:srgbClr val="00B0F0"/>
-              </a:solidFill>
-              <a:latin typeface="DFKai-SB" panose="03000509000000000000" pitchFamily="65" charset="-120"/>
-              <a:ea typeface="DFKai-SB" panose="03000509000000000000" pitchFamily="65" charset="-120"/>
-            </a:endParaRPr>
-          </a:p>
-          <a:p>
-            <a:pPr marL="357505" indent="-357505">
-              <a:buNone/>
-            </a:pPr>
-            <a:r>
-              <a:rPr lang="en-US" altLang="ja-JP" sz="2800" b="1" dirty="0">
-                <a:solidFill>
-                  <a:srgbClr val="00B0F0"/>
-                </a:solidFill>
-                <a:latin typeface="DFKai-SB" panose="03000509000000000000" pitchFamily="65" charset="-120"/>
-                <a:ea typeface="DFKai-SB" panose="03000509000000000000" pitchFamily="65" charset="-120"/>
-              </a:rPr>
-              <a:t>"</a:t>
-            </a:r>
-            <a:r>
-              <a:rPr lang="ja-JP" altLang="en-US" sz="2800">
-                <a:solidFill>
-                  <a:srgbClr val="00B0F0"/>
-                </a:solidFill>
-                <a:latin typeface="DFKai-SB" panose="03000509000000000000" pitchFamily="65" charset="-120"/>
-                <a:ea typeface="DFKai-SB" panose="03000509000000000000" pitchFamily="65" charset="-120"/>
-              </a:rPr>
-              <a:t>至于我、和我家、我们必定事奉耶和华。</a:t>
-            </a:r>
-            <a:r>
-              <a:rPr lang="en-US" altLang="ja-JP" sz="2800" dirty="0">
-                <a:solidFill>
-                  <a:srgbClr val="00B0F0"/>
-                </a:solidFill>
-                <a:latin typeface="DFKai-SB" panose="03000509000000000000" pitchFamily="65" charset="-120"/>
-                <a:ea typeface="DFKai-SB" panose="03000509000000000000" pitchFamily="65" charset="-120"/>
-              </a:rPr>
-              <a:t>" (Jos24:15 CUVS) </a:t>
-            </a:r>
-            <a:endParaRPr lang="en-US" altLang="ja-JP" sz="2800" b="1" dirty="0">
-              <a:solidFill>
-                <a:srgbClr val="00B0F0"/>
-              </a:solidFill>
-              <a:latin typeface="DFKai-SB" panose="03000509000000000000" pitchFamily="65" charset="-120"/>
-              <a:ea typeface="DFKai-SB" panose="03000509000000000000" pitchFamily="65" charset="-120"/>
-            </a:endParaRPr>
-          </a:p>
-          <a:p>
-            <a:pPr marL="357505" indent="-357505">
-              <a:buNone/>
-            </a:pPr>
-            <a:r>
-              <a:rPr lang="en-US" altLang="zh-CN" sz="2800" dirty="0">
-                <a:latin typeface="DFKai-SB" panose="03000509000000000000" pitchFamily="65" charset="-120"/>
-                <a:ea typeface="DFKai-SB" panose="03000509000000000000" pitchFamily="65" charset="-120"/>
-              </a:rPr>
-              <a:t>“as for me and my household, we will serve the Lord ." (Jos24:15 NIV).</a:t>
-            </a:r>
-            <a:endParaRPr lang="zh-CN" altLang="en-US" sz="2800" dirty="0">
-              <a:latin typeface="DFKai-SB" panose="03000509000000000000" pitchFamily="65" charset="-120"/>
-              <a:ea typeface="DFKai-SB" panose="03000509000000000000" pitchFamily="65" charset="-120"/>
-            </a:endParaRPr>
-          </a:p>
-        </p:txBody>
-      </p:sp>
-    </p:spTree>
-  </p:cSld>
-  <p:clrMapOvr>
-    <a:masterClrMapping/>
-  </p:clrMapOvr>
-</p:sld>
-</file>
-
-<file path=ppt/slides/slide9.xml><?xml version="1.0" encoding="utf-8"?>
-<p:sld xmlns:a="http://schemas.openxmlformats.org/drawingml/2006/main" xmlns:r="http://schemas.openxmlformats.org/officeDocument/2006/relationships" xmlns:p="http://schemas.openxmlformats.org/presentationml/2006/main">
-  <p:cSld>
-    <p:spTree>
-      <p:nvGrpSpPr>
-        <p:cNvPr id="1" name=""/>
-        <p:cNvGrpSpPr/>
-        <p:nvPr/>
-      </p:nvGrpSpPr>
-      <p:grpSpPr>
-        <a:xfrm>
-          <a:off x="0" y="0"/>
-          <a:ext cx="0" cy="0"/>
-          <a:chOff x="0" y="0"/>
-          <a:chExt cx="0" cy="0"/>
-        </a:xfrm>
-      </p:grpSpPr>
       <p:graphicFrame>
         <p:nvGraphicFramePr>
           <p:cNvPr id="4" name="Content Placeholder 3"/>
@@ -10353,6 +10153,11 @@
             <p:custDataLst>
               <p:tags r:id="rId1"/>
             </p:custDataLst>
+            <p:extLst>
+              <p:ext uri="{D42A27DB-BD31-4B8C-83A1-F6EECF244321}">
+                <p14:modId xmlns:p14="http://schemas.microsoft.com/office/powerpoint/2010/main" val="3061540013"/>
+              </p:ext>
+            </p:extLst>
           </p:nvPr>
         </p:nvGraphicFramePr>
         <p:xfrm>
@@ -10385,7 +10190,7 @@
                       </a:pPr>
                       <a:r>
                         <a:rPr lang="en-US" altLang="zh-CN" sz="3200" dirty="0"/>
-                        <a:t>Closing Prayer</a:t>
+                        <a:t>Theological Question</a:t>
                       </a:r>
                     </a:p>
                   </a:txBody>
@@ -10407,14 +10212,167 @@
                         <a:buNone/>
                       </a:pPr>
                       <a:r>
-                        <a:rPr lang="en-US" sz="2800" i="1" dirty="0"/>
-                        <a:t>Dear Heavenly Father, </a:t>
+                        <a:rPr lang="en-US" sz="2800" i="0" dirty="0"/>
+                        <a:t>What is the theological meaning of </a:t>
                       </a:r>
                       <a:r>
-                        <a:rPr lang="en-US" sz="2800" dirty="0"/>
-                        <a:t>the Glorious Lord, the Creator, and Sovereign of all things. Thank you for your mercy and grace. Thank you for calling us, the parents. Thank you for giving us, the parents, the educational authority. Our children are your heritage. We are the sinners; we do not deserve it. May Your Holy Spirit call us, guide us. Bless our children and young generation to be able to know you, follow you to be the devotional generation. May your name be glorified, generation by generation, and forever. I pray in the name of Jesus. Amen.  </a:t>
+                        <a:rPr lang="en-US" sz="2800" b="1" i="1" dirty="0"/>
+                        <a:t>going to Pharaoh</a:t>
                       </a:r>
-                      <a:endParaRPr lang="en-US" sz="2800" i="1" dirty="0"/>
+                      <a:r>
+                        <a:rPr lang="en-US" sz="2800" i="0" dirty="0"/>
+                        <a:t>?</a:t>
+                      </a:r>
+                    </a:p>
+                    <a:p>
+                      <a:pPr algn="l">
+                        <a:buNone/>
+                      </a:pPr>
+                      <a:r>
+                        <a:rPr lang="ja-JP" altLang="en-US" sz="2800" i="0"/>
+                        <a:t>去见法老的神学意义是什么？</a:t>
+                      </a:r>
+                      <a:endParaRPr lang="en-US" sz="2800" i="0" dirty="0"/>
+                    </a:p>
+                    <a:p>
+                      <a:pPr algn="l">
+                        <a:buNone/>
+                      </a:pPr>
+                      <a:endParaRPr lang="en-US" sz="2800" i="0" dirty="0"/>
+                    </a:p>
+                    <a:p>
+                      <a:pPr algn="l">
+                        <a:buNone/>
+                      </a:pPr>
+                      <a:endParaRPr lang="en-US" sz="2800" i="0" dirty="0"/>
+                    </a:p>
+                    <a:p>
+                      <a:pPr marL="0" marR="0" lvl="0" indent="0" algn="l" defTabSz="914400" rtl="0" eaLnBrk="1" fontAlgn="auto" latinLnBrk="0" hangingPunct="1">
+                        <a:lnSpc>
+                          <a:spcPct val="100000"/>
+                        </a:lnSpc>
+                        <a:spcBef>
+                          <a:spcPts val="0"/>
+                        </a:spcBef>
+                        <a:spcAft>
+                          <a:spcPts val="0"/>
+                        </a:spcAft>
+                        <a:buClrTx/>
+                        <a:buSzTx/>
+                        <a:buFontTx/>
+                        <a:buNone/>
+                        <a:tabLst/>
+                        <a:defRPr/>
+                      </a:pPr>
+                      <a:r>
+                        <a:rPr lang="en-US" sz="2800" i="0" dirty="0"/>
+                        <a:t>What is the theological meaning of </a:t>
+                      </a:r>
+                      <a:r>
+                        <a:rPr lang="en-US" sz="2800" b="1" i="1" dirty="0"/>
+                        <a:t>bringing the Israelites out of Egypt</a:t>
+                      </a:r>
+                      <a:r>
+                        <a:rPr lang="en-US" sz="2800" i="0" dirty="0"/>
+                        <a:t>?</a:t>
+                      </a:r>
+                    </a:p>
+                    <a:p>
+                      <a:pPr marL="0" marR="0" lvl="0" indent="0" algn="l" defTabSz="914400" rtl="0" eaLnBrk="1" fontAlgn="auto" latinLnBrk="0" hangingPunct="1">
+                        <a:lnSpc>
+                          <a:spcPct val="100000"/>
+                        </a:lnSpc>
+                        <a:spcBef>
+                          <a:spcPts val="0"/>
+                        </a:spcBef>
+                        <a:spcAft>
+                          <a:spcPts val="0"/>
+                        </a:spcAft>
+                        <a:buClrTx/>
+                        <a:buSzTx/>
+                        <a:buFontTx/>
+                        <a:buNone/>
+                        <a:tabLst/>
+                        <a:defRPr/>
+                      </a:pPr>
+                      <a:r>
+                        <a:rPr lang="ja-JP" altLang="en-US" sz="2800" i="0"/>
+                        <a:t>带领以色列人出埃及的神学意义是什么？</a:t>
+                      </a:r>
+                      <a:endParaRPr lang="en-US" sz="2800" i="0" dirty="0"/>
+                    </a:p>
+                    <a:p>
+                      <a:pPr marL="0" marR="0" lvl="0" indent="0" algn="l" defTabSz="914400" rtl="0" eaLnBrk="1" fontAlgn="auto" latinLnBrk="0" hangingPunct="1">
+                        <a:lnSpc>
+                          <a:spcPct val="100000"/>
+                        </a:lnSpc>
+                        <a:spcBef>
+                          <a:spcPts val="0"/>
+                        </a:spcBef>
+                        <a:spcAft>
+                          <a:spcPts val="0"/>
+                        </a:spcAft>
+                        <a:buClrTx/>
+                        <a:buSzTx/>
+                        <a:buFontTx/>
+                        <a:buNone/>
+                        <a:tabLst/>
+                        <a:defRPr/>
+                      </a:pPr>
+                      <a:endParaRPr lang="en-US" sz="2800" i="0" dirty="0"/>
+                    </a:p>
+                    <a:p>
+                      <a:pPr marL="0" marR="0" lvl="0" indent="0" algn="l" defTabSz="914400" rtl="0" eaLnBrk="1" fontAlgn="auto" latinLnBrk="0" hangingPunct="1">
+                        <a:lnSpc>
+                          <a:spcPct val="100000"/>
+                        </a:lnSpc>
+                        <a:spcBef>
+                          <a:spcPts val="0"/>
+                        </a:spcBef>
+                        <a:spcAft>
+                          <a:spcPts val="0"/>
+                        </a:spcAft>
+                        <a:buClrTx/>
+                        <a:buSzTx/>
+                        <a:buFontTx/>
+                        <a:buNone/>
+                        <a:tabLst/>
+                        <a:defRPr/>
+                      </a:pPr>
+                      <a:endParaRPr lang="en-US" sz="2800" i="0" dirty="0"/>
+                    </a:p>
+                    <a:p>
+                      <a:pPr marL="0" marR="0" lvl="0" indent="0" algn="l" defTabSz="914400" rtl="0" eaLnBrk="1" fontAlgn="auto" latinLnBrk="0" hangingPunct="1">
+                        <a:lnSpc>
+                          <a:spcPct val="100000"/>
+                        </a:lnSpc>
+                        <a:spcBef>
+                          <a:spcPts val="0"/>
+                        </a:spcBef>
+                        <a:spcAft>
+                          <a:spcPts val="0"/>
+                        </a:spcAft>
+                        <a:buClrTx/>
+                        <a:buSzTx/>
+                        <a:buFontTx/>
+                        <a:buNone/>
+                        <a:tabLst/>
+                        <a:defRPr/>
+                      </a:pPr>
+                      <a:r>
+                        <a:rPr lang="en-US" sz="2800" i="0" dirty="0"/>
+                        <a:t>How can parents bring their children out of the world today?</a:t>
+                      </a:r>
+                    </a:p>
+                    <a:p>
+                      <a:pPr algn="l">
+                        <a:buNone/>
+                      </a:pPr>
+                      <a:r>
+                        <a:rPr lang="ja-JP" altLang="en-US" sz="2800" i="0"/>
+                        <a:t>父母该如何带领孩子脱离世俗？</a:t>
+                      </a:r>
+                      <a:endParaRPr lang="en-US" sz="2800" i="0" dirty="0"/>
                     </a:p>
                   </a:txBody>
                   <a:tcPr marL="137160" marR="137160" marT="137160" marB="137160"/>
@@ -10432,9 +10390,337 @@
     </p:spTree>
     <p:extLst>
       <p:ext uri="{BB962C8B-B14F-4D97-AF65-F5344CB8AC3E}">
-        <p14:creationId xmlns:p14="http://schemas.microsoft.com/office/powerpoint/2010/main" val="3761109616"/>
+        <p14:creationId xmlns:p14="http://schemas.microsoft.com/office/powerpoint/2010/main" val="3795612396"/>
       </p:ext>
     </p:extLst>
+  </p:cSld>
+  <p:clrMapOvr>
+    <a:masterClrMapping/>
+  </p:clrMapOvr>
+</p:sld>
+</file>
+
+<file path=ppt/slides/slide9.xml><?xml version="1.0" encoding="utf-8"?>
+<p:sld xmlns:a="http://schemas.openxmlformats.org/drawingml/2006/main" xmlns:r="http://schemas.openxmlformats.org/officeDocument/2006/relationships" xmlns:p="http://schemas.openxmlformats.org/presentationml/2006/main">
+  <p:cSld>
+    <p:spTree>
+      <p:nvGrpSpPr>
+        <p:cNvPr id="1" name=""/>
+        <p:cNvGrpSpPr/>
+        <p:nvPr/>
+      </p:nvGrpSpPr>
+      <p:grpSpPr>
+        <a:xfrm>
+          <a:off x="0" y="0"/>
+          <a:ext cx="0" cy="0"/>
+          <a:chOff x="0" y="0"/>
+          <a:chExt cx="0" cy="0"/>
+        </a:xfrm>
+      </p:grpSpPr>
+      <p:sp>
+        <p:nvSpPr>
+          <p:cNvPr id="2" name="Title 1"/>
+          <p:cNvSpPr>
+            <a:spLocks noGrp="1"/>
+          </p:cNvSpPr>
+          <p:nvPr>
+            <p:ph type="title"/>
+          </p:nvPr>
+        </p:nvSpPr>
+        <p:spPr>
+          <a:xfrm>
+            <a:off x="609600" y="0"/>
+            <a:ext cx="11081385" cy="686435"/>
+          </a:xfrm>
+        </p:spPr>
+        <p:txBody>
+          <a:bodyPr/>
+          <a:lstStyle/>
+          <a:p>
+            <a:pPr algn="ctr"/>
+            <a:r>
+              <a:rPr lang="zh-CN" altLang="en-US" b="1" dirty="0">
+                <a:solidFill>
+                  <a:srgbClr val="00B050"/>
+                </a:solidFill>
+                <a:latin typeface="DFKai-SB" panose="03000509000000000000" pitchFamily="65" charset="-120"/>
+                <a:ea typeface="DFKai-SB" panose="03000509000000000000" pitchFamily="65" charset="-120"/>
+                <a:sym typeface="+mn-ea"/>
+              </a:rPr>
+              <a:t>個人反思</a:t>
+            </a:r>
+            <a:r>
+              <a:rPr lang="en-US" altLang="zh-CN" b="1" dirty="0">
+                <a:solidFill>
+                  <a:srgbClr val="00B050"/>
+                </a:solidFill>
+                <a:latin typeface="DFKai-SB" panose="03000509000000000000" pitchFamily="65" charset="-120"/>
+                <a:ea typeface="DFKai-SB" panose="03000509000000000000" pitchFamily="65" charset="-120"/>
+                <a:sym typeface="+mn-ea"/>
+              </a:rPr>
+              <a:t> </a:t>
+            </a:r>
+            <a:r>
+              <a:rPr lang="en-US" altLang="zh-CN" b="1" dirty="0">
+                <a:solidFill>
+                  <a:srgbClr val="FF0000"/>
+                </a:solidFill>
+                <a:latin typeface="DFKai-SB" panose="03000509000000000000" pitchFamily="65" charset="-120"/>
+                <a:ea typeface="DFKai-SB" panose="03000509000000000000" pitchFamily="65" charset="-120"/>
+                <a:sym typeface="+mn-ea"/>
+              </a:rPr>
+              <a:t>&amp; </a:t>
+            </a:r>
+            <a:r>
+              <a:rPr lang="zh-CN" altLang="en-US" b="1" dirty="0">
+                <a:solidFill>
+                  <a:srgbClr val="7030A0"/>
+                </a:solidFill>
+                <a:latin typeface="DFKai-SB" panose="03000509000000000000" pitchFamily="65" charset="-120"/>
+                <a:ea typeface="DFKai-SB" panose="03000509000000000000" pitchFamily="65" charset="-120"/>
+              </a:rPr>
+              <a:t>教養智慧</a:t>
+            </a:r>
+            <a:r>
+              <a:rPr lang="en-US" altLang="zh-CN" b="1" dirty="0">
+                <a:solidFill>
+                  <a:srgbClr val="7030A0"/>
+                </a:solidFill>
+                <a:latin typeface="DFKai-SB" panose="03000509000000000000" pitchFamily="65" charset="-120"/>
+                <a:ea typeface="DFKai-SB" panose="03000509000000000000" pitchFamily="65" charset="-120"/>
+              </a:rPr>
+              <a:t> </a:t>
+            </a:r>
+            <a:endParaRPr lang="zh-CN" altLang="en-US" sz="2400" b="1" dirty="0">
+              <a:solidFill>
+                <a:schemeClr val="tx1"/>
+              </a:solidFill>
+              <a:highlight>
+                <a:srgbClr val="FFFF00"/>
+              </a:highlight>
+              <a:latin typeface="DFKai-SB" panose="03000509000000000000" pitchFamily="65" charset="-120"/>
+              <a:ea typeface="DFKai-SB" panose="03000509000000000000" pitchFamily="65" charset="-120"/>
+            </a:endParaRPr>
+          </a:p>
+        </p:txBody>
+      </p:sp>
+      <p:sp>
+        <p:nvSpPr>
+          <p:cNvPr id="3" name="Content Placeholder 2"/>
+          <p:cNvSpPr>
+            <a:spLocks noGrp="1"/>
+          </p:cNvSpPr>
+          <p:nvPr>
+            <p:ph idx="1"/>
+            <p:custDataLst>
+              <p:tags r:id="rId1"/>
+            </p:custDataLst>
+          </p:nvPr>
+        </p:nvSpPr>
+        <p:spPr>
+          <a:xfrm>
+            <a:off x="609600" y="686435"/>
+            <a:ext cx="10972800" cy="5800090"/>
+          </a:xfrm>
+        </p:spPr>
+        <p:txBody>
+          <a:bodyPr/>
+          <a:lstStyle/>
+          <a:p>
+            <a:pPr algn="l">
+              <a:buNone/>
+            </a:pPr>
+            <a:r>
+              <a:rPr lang="en-US" altLang="zh-CN" sz="2600" dirty="0">
+                <a:sym typeface="+mn-ea"/>
+              </a:rPr>
+              <a:t> </a:t>
+            </a:r>
+            <a:r>
+              <a:rPr lang="zh-CN" altLang="en-US" b="1" dirty="0">
+                <a:solidFill>
+                  <a:srgbClr val="00B050"/>
+                </a:solidFill>
+                <a:highlight>
+                  <a:srgbClr val="FFFF00"/>
+                </a:highlight>
+                <a:latin typeface="DFKai-SB" panose="03000509000000000000" pitchFamily="65" charset="-120"/>
+                <a:ea typeface="DFKai-SB" panose="03000509000000000000" pitchFamily="65" charset="-120"/>
+              </a:rPr>
+              <a:t>個人反思</a:t>
+            </a:r>
+            <a:r>
+              <a:rPr lang="zh-CN" altLang="en-US" sz="2800" b="1" dirty="0">
+                <a:solidFill>
+                  <a:srgbClr val="00B050"/>
+                </a:solidFill>
+                <a:latin typeface="DFKai-SB" panose="03000509000000000000" pitchFamily="65" charset="-120"/>
+                <a:ea typeface="DFKai-SB" panose="03000509000000000000" pitchFamily="65" charset="-120"/>
+              </a:rPr>
+              <a:t>：</a:t>
+            </a:r>
+            <a:endParaRPr lang="zh-CN" altLang="en-US" sz="2800" dirty="0">
+              <a:sym typeface="+mn-ea"/>
+            </a:endParaRPr>
+          </a:p>
+          <a:p>
+            <a:pPr marL="357505" indent="-357505" algn="l">
+              <a:buNone/>
+            </a:pPr>
+            <a:r>
+              <a:rPr lang="en-US" altLang="zh-CN" sz="2800" dirty="0">
+                <a:sym typeface="+mn-ea"/>
+              </a:rPr>
+              <a:t>“</a:t>
+            </a:r>
+            <a:r>
+              <a:rPr lang="zh-CN" altLang="en-US" sz="2800" dirty="0">
+                <a:sym typeface="+mn-ea"/>
+              </a:rPr>
+              <a:t>我愿意让孩子相信神，但对我来说无所谓 。</a:t>
+            </a:r>
+            <a:r>
+              <a:rPr lang="en-US" altLang="zh-CN" sz="2800" dirty="0">
+                <a:sym typeface="+mn-ea"/>
+              </a:rPr>
+              <a:t>” </a:t>
+            </a:r>
+            <a:r>
+              <a:rPr lang="ja-JP" altLang="en-US" sz="2800">
+                <a:sym typeface="+mn-ea"/>
+              </a:rPr>
+              <a:t>对吗</a:t>
+            </a:r>
+            <a:r>
+              <a:rPr lang="en-US" altLang="ja-JP" sz="2800" dirty="0">
+                <a:sym typeface="+mn-ea"/>
+              </a:rPr>
+              <a:t>? </a:t>
+            </a:r>
+          </a:p>
+          <a:p>
+            <a:pPr marL="357505" indent="-357505" algn="l">
+              <a:buNone/>
+            </a:pPr>
+            <a:r>
+              <a:rPr lang="en-US" altLang="zh-CN" sz="2800" dirty="0">
+                <a:sym typeface="+mn-ea"/>
+              </a:rPr>
+              <a:t>“I hope my children to believe in God. But it doesn’t matter to me.” Is that right?</a:t>
+            </a:r>
+          </a:p>
+          <a:p>
+            <a:pPr marL="357505" indent="-357505" algn="l">
+              <a:buNone/>
+            </a:pPr>
+            <a:endParaRPr lang="en-US" altLang="zh-CN" sz="2800" b="1" dirty="0">
+              <a:solidFill>
+                <a:srgbClr val="7030A0"/>
+              </a:solidFill>
+              <a:highlight>
+                <a:srgbClr val="FFFF00"/>
+              </a:highlight>
+              <a:latin typeface="DFKai-SB" panose="03000509000000000000" pitchFamily="65" charset="-120"/>
+              <a:ea typeface="DFKai-SB" panose="03000509000000000000" pitchFamily="65" charset="-120"/>
+              <a:sym typeface="+mn-ea"/>
+            </a:endParaRPr>
+          </a:p>
+          <a:p>
+            <a:pPr marL="357505" indent="-357505">
+              <a:buNone/>
+            </a:pPr>
+            <a:r>
+              <a:rPr lang="zh-CN" altLang="en-US" b="1" dirty="0">
+                <a:solidFill>
+                  <a:srgbClr val="7030A0"/>
+                </a:solidFill>
+                <a:highlight>
+                  <a:srgbClr val="FFFF00"/>
+                </a:highlight>
+                <a:latin typeface="DFKai-SB" panose="03000509000000000000" pitchFamily="65" charset="-120"/>
+                <a:ea typeface="DFKai-SB" panose="03000509000000000000" pitchFamily="65" charset="-120"/>
+              </a:rPr>
+              <a:t>教養智慧</a:t>
+            </a:r>
+            <a:r>
+              <a:rPr lang="zh-CN" altLang="en-US" sz="2800" b="1" dirty="0">
+                <a:solidFill>
+                  <a:srgbClr val="00B0F0"/>
+                </a:solidFill>
+                <a:latin typeface="DFKai-SB" panose="03000509000000000000" pitchFamily="65" charset="-120"/>
+                <a:ea typeface="DFKai-SB" panose="03000509000000000000" pitchFamily="65" charset="-120"/>
+              </a:rPr>
+              <a:t>：</a:t>
+            </a:r>
+            <a:endParaRPr lang="en-US" altLang="zh-CN" sz="2800" b="1" dirty="0">
+              <a:solidFill>
+                <a:srgbClr val="00B0F0"/>
+              </a:solidFill>
+              <a:latin typeface="DFKai-SB" panose="03000509000000000000" pitchFamily="65" charset="-120"/>
+              <a:ea typeface="DFKai-SB" panose="03000509000000000000" pitchFamily="65" charset="-120"/>
+            </a:endParaRPr>
+          </a:p>
+          <a:p>
+            <a:pPr marL="357505" indent="-357505">
+              <a:buNone/>
+            </a:pPr>
+            <a:r>
+              <a:rPr lang="en-US" altLang="ja-JP" sz="2800" b="1" dirty="0">
+                <a:solidFill>
+                  <a:srgbClr val="00B0F0"/>
+                </a:solidFill>
+                <a:latin typeface="DFKai-SB" panose="03000509000000000000" pitchFamily="65" charset="-120"/>
+                <a:ea typeface="DFKai-SB" panose="03000509000000000000" pitchFamily="65" charset="-120"/>
+              </a:rPr>
+              <a:t>"</a:t>
+            </a:r>
+            <a:r>
+              <a:rPr lang="ja-JP" altLang="en-US" sz="2800">
+                <a:solidFill>
+                  <a:srgbClr val="00B0F0"/>
+                </a:solidFill>
+                <a:latin typeface="DFKai-SB" panose="03000509000000000000" pitchFamily="65" charset="-120"/>
+                <a:ea typeface="DFKai-SB" panose="03000509000000000000" pitchFamily="65" charset="-120"/>
+              </a:rPr>
+              <a:t>至于我、和我家、我们必定事奉耶和华。</a:t>
+            </a:r>
+            <a:r>
+              <a:rPr lang="en-US" altLang="ja-JP" sz="2800" dirty="0">
+                <a:solidFill>
+                  <a:srgbClr val="00B0F0"/>
+                </a:solidFill>
+                <a:latin typeface="DFKai-SB" panose="03000509000000000000" pitchFamily="65" charset="-120"/>
+                <a:ea typeface="DFKai-SB" panose="03000509000000000000" pitchFamily="65" charset="-120"/>
+              </a:rPr>
+              <a:t>" (Jos24:15 CUVS) </a:t>
+            </a:r>
+            <a:endParaRPr lang="en-US" altLang="ja-JP" sz="2800" b="1" dirty="0">
+              <a:solidFill>
+                <a:srgbClr val="00B0F0"/>
+              </a:solidFill>
+              <a:latin typeface="DFKai-SB" panose="03000509000000000000" pitchFamily="65" charset="-120"/>
+              <a:ea typeface="DFKai-SB" panose="03000509000000000000" pitchFamily="65" charset="-120"/>
+            </a:endParaRPr>
+          </a:p>
+          <a:p>
+            <a:pPr marL="357505" indent="-357505">
+              <a:buNone/>
+            </a:pPr>
+            <a:r>
+              <a:rPr lang="en-US" altLang="zh-CN" sz="2800" dirty="0">
+                <a:latin typeface="DFKai-SB" panose="03000509000000000000" pitchFamily="65" charset="-120"/>
+                <a:ea typeface="DFKai-SB" panose="03000509000000000000" pitchFamily="65" charset="-120"/>
+              </a:rPr>
+              <a:t>“as for me and my household, we will serve the Lord ." (Jos24:15 NIV).</a:t>
+            </a:r>
+            <a:endParaRPr lang="zh-CN" altLang="en-US" sz="2800" dirty="0">
+              <a:latin typeface="DFKai-SB" panose="03000509000000000000" pitchFamily="65" charset="-120"/>
+              <a:ea typeface="DFKai-SB" panose="03000509000000000000" pitchFamily="65" charset="-120"/>
+            </a:endParaRPr>
+          </a:p>
+        </p:txBody>
+      </p:sp>
+    </p:spTree>
   </p:cSld>
   <p:clrMapOvr>
     <a:masterClrMapping/>
@@ -10503,11 +10789,18 @@
 
 <file path=ppt/tags/tag6.xml><?xml version="1.0" encoding="utf-8"?>
 <p:tagLst xmlns:a="http://schemas.openxmlformats.org/drawingml/2006/main" xmlns:r="http://schemas.openxmlformats.org/officeDocument/2006/relationships" xmlns:p="http://schemas.openxmlformats.org/presentationml/2006/main">
+  <p:tag name="TABLE_ENDDRAG_ORIGIN_RECT" val="884*430"/>
+  <p:tag name="TABLE_ENDDRAG_RECT" val="39*87*884*430"/>
+</p:tagLst>
+</file>
+
+<file path=ppt/tags/tag7.xml><?xml version="1.0" encoding="utf-8"?>
+<p:tagLst xmlns:a="http://schemas.openxmlformats.org/drawingml/2006/main" xmlns:r="http://schemas.openxmlformats.org/officeDocument/2006/relationships" xmlns:p="http://schemas.openxmlformats.org/presentationml/2006/main">
   <p:tag name="WPP_GENERATETEXT" val="1"/>
 </p:tagLst>
 </file>
 
-<file path=ppt/tags/tag7.xml><?xml version="1.0" encoding="utf-8"?>
+<file path=ppt/tags/tag8.xml><?xml version="1.0" encoding="utf-8"?>
 <p:tagLst xmlns:a="http://schemas.openxmlformats.org/drawingml/2006/main" xmlns:r="http://schemas.openxmlformats.org/officeDocument/2006/relationships" xmlns:p="http://schemas.openxmlformats.org/presentationml/2006/main">
   <p:tag name="TABLE_ENDDRAG_ORIGIN_RECT" val="884*430"/>
   <p:tag name="TABLE_ENDDRAG_RECT" val="39*87*884*430"/>

--- a/ppt/Exodus/exo3_11-22.pptx
+++ b/ppt/Exodus/exo3_11-22.pptx
@@ -4664,14 +4664,14 @@
             </p:custDataLst>
             <p:extLst>
               <p:ext uri="{D42A27DB-BD31-4B8C-83A1-F6EECF244321}">
-                <p14:modId xmlns:p14="http://schemas.microsoft.com/office/powerpoint/2010/main" val="653802339"/>
+                <p14:modId xmlns:p14="http://schemas.microsoft.com/office/powerpoint/2010/main" val="2856023623"/>
               </p:ext>
             </p:extLst>
           </p:nvPr>
         </p:nvGraphicFramePr>
         <p:xfrm>
           <a:off x="475615" y="1361440"/>
-          <a:ext cx="11378565" cy="5120640"/>
+          <a:ext cx="11378565" cy="5090160"/>
         </p:xfrm>
         <a:graphic>
           <a:graphicData uri="http://schemas.openxmlformats.org/drawingml/2006/table">
@@ -4680,14 +4680,14 @@
                 <a:tableStyleId>{5C22544A-7EE6-4342-B048-85BDC9FD1C3A}</a:tableStyleId>
               </a:tblPr>
               <a:tblGrid>
-                <a:gridCol w="1468755">
+                <a:gridCol w="2256827">
                   <a:extLst>
                     <a:ext uri="{9D8B030D-6E8A-4147-A177-3AD203B41FA5}">
                       <a16:colId xmlns:a16="http://schemas.microsoft.com/office/drawing/2014/main" val="20000"/>
                     </a:ext>
                   </a:extLst>
                 </a:gridCol>
-                <a:gridCol w="9909810">
+                <a:gridCol w="9121738">
                   <a:extLst>
                     <a:ext uri="{9D8B030D-6E8A-4147-A177-3AD203B41FA5}">
                       <a16:colId xmlns:a16="http://schemas.microsoft.com/office/drawing/2014/main" val="20001"/>
@@ -4710,6 +4710,11 @@
                         </a:rPr>
                         <a:t>Key Figures</a:t>
                       </a:r>
+                    </a:p>
+                    <a:p>
+                      <a:pPr algn="ctr">
+                        <a:buNone/>
+                      </a:pPr>
                       <a:r>
                         <a:rPr lang="zh-CN" altLang="en-US" sz="2400" dirty="0">
                           <a:sym typeface="+mn-ea"/>
@@ -4832,7 +4837,7 @@
                       </a:pPr>
                       <a:r>
                         <a:rPr lang="en-US" altLang="zh-CN" sz="2200" dirty="0"/>
-                        <a:t>God’s Command </a:t>
+                        <a:t>1. God’s Command </a:t>
                       </a:r>
                       <a:r>
                         <a:rPr lang="ja-JP" altLang="en-US" sz="2200"/>
@@ -4863,7 +4868,7 @@
                       </a:pPr>
                       <a:r>
                         <a:rPr lang="en-US" altLang="zh-CN" sz="2200" dirty="0"/>
-                        <a:t>God’s Promise </a:t>
+                        <a:t>2. God’s Promise </a:t>
                       </a:r>
                       <a:r>
                         <a:rPr lang="ja-JP" altLang="en-US" sz="2200"/>
@@ -4880,7 +4885,7 @@
                       </a:pPr>
                       <a:r>
                         <a:rPr lang="en-US" altLang="zh-CN" sz="2200" dirty="0"/>
-                        <a:t>God’s Sign </a:t>
+                        <a:t>3. God’s Sign </a:t>
                       </a:r>
                       <a:r>
                         <a:rPr lang="ja-JP" altLang="en-US" sz="2200"/>
@@ -4911,7 +4916,7 @@
                       </a:pPr>
                       <a:r>
                         <a:rPr lang="en-US" altLang="zh-CN" sz="2200" dirty="0"/>
-                        <a:t>God’s Assurance </a:t>
+                        <a:t>4. God’s Assurance </a:t>
                       </a:r>
                       <a:r>
                         <a:rPr lang="ja-JP" altLang="en-US" sz="2200"/>
@@ -4925,7 +4930,41 @@
                         <a:rPr lang="en-US" altLang="zh-CN" sz="2200" dirty="0"/>
                         <a:t>(3:14)</a:t>
                       </a:r>
-                      <a:endParaRPr lang="en-US" altLang="en-US" sz="2200" dirty="0"/>
+                    </a:p>
+                    <a:p>
+                      <a:pPr marL="0" marR="0" indent="0" algn="l" defTabSz="914400" rtl="0" eaLnBrk="1" fontAlgn="auto" latinLnBrk="0" hangingPunct="1">
+                        <a:lnSpc>
+                          <a:spcPct val="100000"/>
+                        </a:lnSpc>
+                        <a:spcBef>
+                          <a:spcPts val="0"/>
+                        </a:spcBef>
+                        <a:spcAft>
+                          <a:spcPts val="0"/>
+                        </a:spcAft>
+                        <a:buClrTx/>
+                        <a:buSzTx/>
+                        <a:buFontTx/>
+                        <a:buNone/>
+                        <a:tabLst/>
+                        <a:defRPr/>
+                      </a:pPr>
+                      <a:r>
+                        <a:rPr lang="en-US" altLang="en-US" sz="2200" dirty="0"/>
+                        <a:t>5. God’s Love </a:t>
+                      </a:r>
+                      <a:r>
+                        <a:rPr lang="ja-JP" altLang="en-US" sz="2200"/>
+                        <a:t>神的爱 </a:t>
+                      </a:r>
+                      <a:r>
+                        <a:rPr lang="en-US" altLang="en-US" sz="2200"/>
+                        <a:t>(</a:t>
+                      </a:r>
+                      <a:r>
+                        <a:rPr lang="en-US" altLang="en-US" sz="2200" dirty="0"/>
+                        <a:t>3:10-22)</a:t>
+                      </a:r>
                     </a:p>
                   </a:txBody>
                   <a:tcPr/>
@@ -5030,7 +5069,7 @@
                       </a:r>
                       <a:r>
                         <a:rPr lang="en-US" altLang="zh-CN" sz="2200" dirty="0"/>
-                        <a:t>(3:15)</a:t>
+                        <a:t>(3:13)</a:t>
                       </a:r>
                     </a:p>
                     <a:p>
@@ -5061,7 +5100,7 @@
                       </a:r>
                       <a:r>
                         <a:rPr lang="en-US" altLang="zh-CN" sz="2200" dirty="0"/>
-                        <a:t> (3:15)</a:t>
+                        <a:t> (3:13)</a:t>
                       </a:r>
                     </a:p>
                     <a:p>
@@ -5078,7 +5117,7 @@
                       </a:r>
                       <a:r>
                         <a:rPr lang="en-US" altLang="zh-CN" sz="2200" dirty="0"/>
-                        <a:t>(3:15)</a:t>
+                        <a:t>(3:13)</a:t>
                       </a:r>
                     </a:p>
                     <a:p>
@@ -5095,7 +5134,7 @@
                       </a:r>
                       <a:r>
                         <a:rPr lang="en-US" altLang="ja-JP" sz="2200" dirty="0"/>
-                        <a:t> (3:15)</a:t>
+                        <a:t> (3:13)</a:t>
                       </a:r>
                       <a:endParaRPr lang="en-US" altLang="zh-CN" sz="2200" dirty="0"/>
                     </a:p>

--- a/ppt/Exodus/exo3_11-22.pptx
+++ b/ppt/Exodus/exo3_11-22.pptx
@@ -4958,12 +4958,8 @@
                         <a:t>神的爱 </a:t>
                       </a:r>
                       <a:r>
-                        <a:rPr lang="en-US" altLang="en-US" sz="2200"/>
-                        <a:t>(</a:t>
-                      </a:r>
-                      <a:r>
                         <a:rPr lang="en-US" altLang="en-US" sz="2200" dirty="0"/>
-                        <a:t>3:10-22)</a:t>
+                        <a:t>(3:10-22)</a:t>
                       </a:r>
                     </a:p>
                   </a:txBody>

--- a/ppt/Exodus/exo3_11-22.pptx
+++ b/ppt/Exodus/exo3_11-22.pptx
@@ -289,7 +289,7 @@
           <a:p>
             <a:fld id="{3EFD42F7-718C-4B98-AAEC-167E6DDD60A7}" type="datetimeFigureOut">
               <a:rPr lang="en-US" smtClean="0"/>
-              <a:t>8/11/25</a:t>
+              <a:t>8/19/25</a:t>
             </a:fld>
             <a:endParaRPr lang="en-US"/>
           </a:p>
@@ -785,7 +785,7 @@
           <a:p>
             <a:fld id="{63A1C593-65D0-4073-BCC9-577B9352EA97}" type="datetimeFigureOut">
               <a:rPr lang="en-US" smtClean="0"/>
-              <a:t>8/11/25</a:t>
+              <a:t>8/19/25</a:t>
             </a:fld>
             <a:endParaRPr lang="en-US"/>
           </a:p>
@@ -1031,7 +1031,7 @@
           <a:p>
             <a:fld id="{63A1C593-65D0-4073-BCC9-577B9352EA97}" type="datetimeFigureOut">
               <a:rPr lang="en-US" smtClean="0"/>
-              <a:t>8/11/25</a:t>
+              <a:t>8/19/25</a:t>
             </a:fld>
             <a:endParaRPr lang="en-US"/>
           </a:p>
@@ -1205,7 +1205,7 @@
           <a:p>
             <a:fld id="{63A1C593-65D0-4073-BCC9-577B9352EA97}" type="datetimeFigureOut">
               <a:rPr lang="en-US" smtClean="0"/>
-              <a:t>8/11/25</a:t>
+              <a:t>8/19/25</a:t>
             </a:fld>
             <a:endParaRPr lang="en-US"/>
           </a:p>
@@ -1532,7 +1532,7 @@
           <a:p>
             <a:fld id="{63A1C593-65D0-4073-BCC9-577B9352EA97}" type="datetimeFigureOut">
               <a:rPr lang="en-US" smtClean="0"/>
-              <a:t>8/11/25</a:t>
+              <a:t>8/19/25</a:t>
             </a:fld>
             <a:endParaRPr lang="en-US"/>
           </a:p>
@@ -1719,7 +1719,7 @@
           <a:p>
             <a:fld id="{63A1C593-65D0-4073-BCC9-577B9352EA97}" type="datetimeFigureOut">
               <a:rPr lang="en-US" smtClean="0"/>
-              <a:t>8/11/25</a:t>
+              <a:t>8/19/25</a:t>
             </a:fld>
             <a:endParaRPr lang="en-US"/>
           </a:p>
@@ -1944,7 +1944,7 @@
           <a:p>
             <a:fld id="{63A1C593-65D0-4073-BCC9-577B9352EA97}" type="datetimeFigureOut">
               <a:rPr lang="en-US" smtClean="0"/>
-              <a:t>8/11/25</a:t>
+              <a:t>8/19/25</a:t>
             </a:fld>
             <a:endParaRPr lang="en-US"/>
           </a:p>
@@ -2304,7 +2304,7 @@
           <a:p>
             <a:fld id="{63A1C593-65D0-4073-BCC9-577B9352EA97}" type="datetimeFigureOut">
               <a:rPr lang="en-US" smtClean="0"/>
-              <a:t>8/11/25</a:t>
+              <a:t>8/19/25</a:t>
             </a:fld>
             <a:endParaRPr lang="en-US"/>
           </a:p>
@@ -2417,7 +2417,7 @@
           <a:p>
             <a:fld id="{63A1C593-65D0-4073-BCC9-577B9352EA97}" type="datetimeFigureOut">
               <a:rPr lang="en-US" smtClean="0"/>
-              <a:t>8/11/25</a:t>
+              <a:t>8/19/25</a:t>
             </a:fld>
             <a:endParaRPr lang="en-US"/>
           </a:p>
@@ -2508,7 +2508,7 @@
           <a:p>
             <a:fld id="{63A1C593-65D0-4073-BCC9-577B9352EA97}" type="datetimeFigureOut">
               <a:rPr lang="en-US" smtClean="0"/>
-              <a:t>8/11/25</a:t>
+              <a:t>8/19/25</a:t>
             </a:fld>
             <a:endParaRPr lang="en-US"/>
           </a:p>
@@ -2779,7 +2779,7 @@
           <a:p>
             <a:fld id="{63A1C593-65D0-4073-BCC9-577B9352EA97}" type="datetimeFigureOut">
               <a:rPr lang="en-US" smtClean="0"/>
-              <a:t>8/11/25</a:t>
+              <a:t>8/19/25</a:t>
             </a:fld>
             <a:endParaRPr lang="en-US"/>
           </a:p>
@@ -3056,7 +3056,7 @@
           <a:p>
             <a:fld id="{63A1C593-65D0-4073-BCC9-577B9352EA97}" type="datetimeFigureOut">
               <a:rPr lang="en-US" smtClean="0"/>
-              <a:t>8/11/25</a:t>
+              <a:t>8/19/25</a:t>
             </a:fld>
             <a:endParaRPr lang="en-US"/>
           </a:p>
@@ -3326,7 +3326,7 @@
           <a:p>
             <a:fld id="{63A1C593-65D0-4073-BCC9-577B9352EA97}" type="datetimeFigureOut">
               <a:rPr lang="en-US" smtClean="0"/>
-              <a:t>8/11/25</a:t>
+              <a:t>8/19/25</a:t>
             </a:fld>
             <a:endParaRPr lang="en-US"/>
           </a:p>
@@ -4133,8 +4133,8 @@
         </p:nvSpPr>
         <p:spPr>
           <a:xfrm>
-            <a:off x="492369" y="4600087"/>
-            <a:ext cx="5036820" cy="577215"/>
+            <a:off x="389890" y="4378862"/>
+            <a:ext cx="5036820" cy="368300"/>
           </a:xfrm>
           <a:prstGeom prst="rect">
             <a:avLst/>
@@ -4206,6 +4206,302 @@
           </a:prstGeom>
         </p:spPr>
       </p:pic>
+      <p:graphicFrame>
+        <p:nvGraphicFramePr>
+          <p:cNvPr id="5" name="Table 4">
+            <a:extLst>
+              <a:ext uri="{FF2B5EF4-FFF2-40B4-BE49-F238E27FC236}">
+                <a16:creationId xmlns:a16="http://schemas.microsoft.com/office/drawing/2014/main" id="{FC0654D2-410B-222A-27D6-CCDF2694A62C}"/>
+              </a:ext>
+            </a:extLst>
+          </p:cNvPr>
+          <p:cNvGraphicFramePr>
+            <a:graphicFrameLocks noGrp="1"/>
+          </p:cNvGraphicFramePr>
+          <p:nvPr>
+            <p:extLst>
+              <p:ext uri="{D42A27DB-BD31-4B8C-83A1-F6EECF244321}">
+                <p14:modId xmlns:p14="http://schemas.microsoft.com/office/powerpoint/2010/main" val="3982937955"/>
+              </p:ext>
+            </p:extLst>
+          </p:nvPr>
+        </p:nvGraphicFramePr>
+        <p:xfrm>
+          <a:off x="114416" y="4847304"/>
+          <a:ext cx="6276071" cy="1854200"/>
+        </p:xfrm>
+        <a:graphic>
+          <a:graphicData uri="http://schemas.openxmlformats.org/drawingml/2006/table">
+            <a:tbl>
+              <a:tblPr firstRow="1" bandRow="1">
+                <a:tableStyleId>{5C22544A-7EE6-4342-B048-85BDC9FD1C3A}</a:tableStyleId>
+              </a:tblPr>
+              <a:tblGrid>
+                <a:gridCol w="373380">
+                  <a:extLst>
+                    <a:ext uri="{9D8B030D-6E8A-4147-A177-3AD203B41FA5}">
+                      <a16:colId xmlns:a16="http://schemas.microsoft.com/office/drawing/2014/main" val="1040163147"/>
+                    </a:ext>
+                  </a:extLst>
+                </a:gridCol>
+                <a:gridCol w="5031182">
+                  <a:extLst>
+                    <a:ext uri="{9D8B030D-6E8A-4147-A177-3AD203B41FA5}">
+                      <a16:colId xmlns:a16="http://schemas.microsoft.com/office/drawing/2014/main" val="1627170691"/>
+                    </a:ext>
+                  </a:extLst>
+                </a:gridCol>
+                <a:gridCol w="871509">
+                  <a:extLst>
+                    <a:ext uri="{9D8B030D-6E8A-4147-A177-3AD203B41FA5}">
+                      <a16:colId xmlns:a16="http://schemas.microsoft.com/office/drawing/2014/main" val="1795012203"/>
+                    </a:ext>
+                  </a:extLst>
+                </a:gridCol>
+              </a:tblGrid>
+              <a:tr h="370840">
+                <a:tc>
+                  <a:txBody>
+                    <a:bodyPr/>
+                    <a:lstStyle/>
+                    <a:p>
+                      <a:endParaRPr lang="en-US" dirty="0"/>
+                    </a:p>
+                  </a:txBody>
+                  <a:tcPr/>
+                </a:tc>
+                <a:tc>
+                  <a:txBody>
+                    <a:bodyPr/>
+                    <a:lstStyle/>
+                    <a:p>
+                      <a:r>
+                        <a:rPr lang="en-US" dirty="0"/>
+                        <a:t>Bible Reading Exodus 3:1-11 (Optional)</a:t>
+                      </a:r>
+                    </a:p>
+                  </a:txBody>
+                  <a:tcPr/>
+                </a:tc>
+                <a:tc>
+                  <a:txBody>
+                    <a:bodyPr/>
+                    <a:lstStyle/>
+                    <a:p>
+                      <a:r>
+                        <a:rPr lang="en-US" dirty="0"/>
+                        <a:t>Time</a:t>
+                      </a:r>
+                    </a:p>
+                  </a:txBody>
+                  <a:tcPr/>
+                </a:tc>
+                <a:extLst>
+                  <a:ext uri="{0D108BD9-81ED-4DB2-BD59-A6C34878D82A}">
+                    <a16:rowId xmlns:a16="http://schemas.microsoft.com/office/drawing/2014/main" val="847334649"/>
+                  </a:ext>
+                </a:extLst>
+              </a:tr>
+              <a:tr h="370840">
+                <a:tc>
+                  <a:txBody>
+                    <a:bodyPr/>
+                    <a:lstStyle/>
+                    <a:p>
+                      <a:r>
+                        <a:rPr lang="en-US" dirty="0"/>
+                        <a:t>1</a:t>
+                      </a:r>
+                    </a:p>
+                  </a:txBody>
+                  <a:tcPr/>
+                </a:tc>
+                <a:tc>
+                  <a:txBody>
+                    <a:bodyPr/>
+                    <a:lstStyle/>
+                    <a:p>
+                      <a:r>
+                        <a:rPr lang="en-US" dirty="0">
+                          <a:hlinkClick r:id="rId3"/>
+                        </a:rPr>
+                        <a:t>CUV in Chinese or Cantonese (Audio) </a:t>
+                      </a:r>
+                      <a:endParaRPr lang="en-US" dirty="0"/>
+                    </a:p>
+                  </a:txBody>
+                  <a:tcPr/>
+                </a:tc>
+                <a:tc>
+                  <a:txBody>
+                    <a:bodyPr/>
+                    <a:lstStyle/>
+                    <a:p>
+                      <a:r>
+                        <a:rPr lang="en-US" dirty="0"/>
+                        <a:t>4 min</a:t>
+                      </a:r>
+                    </a:p>
+                  </a:txBody>
+                  <a:tcPr/>
+                </a:tc>
+                <a:extLst>
+                  <a:ext uri="{0D108BD9-81ED-4DB2-BD59-A6C34878D82A}">
+                    <a16:rowId xmlns:a16="http://schemas.microsoft.com/office/drawing/2014/main" val="3802836193"/>
+                  </a:ext>
+                </a:extLst>
+              </a:tr>
+              <a:tr h="370840">
+                <a:tc>
+                  <a:txBody>
+                    <a:bodyPr/>
+                    <a:lstStyle/>
+                    <a:p>
+                      <a:r>
+                        <a:rPr lang="en-US" dirty="0"/>
+                        <a:t>2</a:t>
+                      </a:r>
+                    </a:p>
+                  </a:txBody>
+                  <a:tcPr/>
+                </a:tc>
+                <a:tc>
+                  <a:txBody>
+                    <a:bodyPr/>
+                    <a:lstStyle/>
+                    <a:p>
+                      <a:r>
+                        <a:rPr lang="en-US" dirty="0">
+                          <a:hlinkClick r:id="rId4"/>
+                        </a:rPr>
+                        <a:t>NIV Bible Reading in English (Audio)</a:t>
+                      </a:r>
+                      <a:endParaRPr lang="en-US" dirty="0"/>
+                    </a:p>
+                  </a:txBody>
+                  <a:tcPr/>
+                </a:tc>
+                <a:tc>
+                  <a:txBody>
+                    <a:bodyPr/>
+                    <a:lstStyle/>
+                    <a:p>
+                      <a:r>
+                        <a:rPr lang="en-US" dirty="0"/>
+                        <a:t>4 min</a:t>
+                      </a:r>
+                    </a:p>
+                  </a:txBody>
+                  <a:tcPr/>
+                </a:tc>
+                <a:extLst>
+                  <a:ext uri="{0D108BD9-81ED-4DB2-BD59-A6C34878D82A}">
+                    <a16:rowId xmlns:a16="http://schemas.microsoft.com/office/drawing/2014/main" val="1486004473"/>
+                  </a:ext>
+                </a:extLst>
+              </a:tr>
+              <a:tr h="370840">
+                <a:tc>
+                  <a:txBody>
+                    <a:bodyPr/>
+                    <a:lstStyle/>
+                    <a:p>
+                      <a:r>
+                        <a:rPr lang="en-US" dirty="0"/>
+                        <a:t>3</a:t>
+                      </a:r>
+                    </a:p>
+                  </a:txBody>
+                  <a:tcPr/>
+                </a:tc>
+                <a:tc>
+                  <a:txBody>
+                    <a:bodyPr/>
+                    <a:lstStyle/>
+                    <a:p>
+                      <a:r>
+                        <a:rPr lang="en-US" dirty="0">
+                          <a:hlinkClick r:id="rId5"/>
+                        </a:rPr>
+                        <a:t>Moses &amp; Burning Bush English (ChildrenVideo)</a:t>
+                      </a:r>
+                      <a:endParaRPr lang="en-US" dirty="0"/>
+                    </a:p>
+                  </a:txBody>
+                  <a:tcPr/>
+                </a:tc>
+                <a:tc>
+                  <a:txBody>
+                    <a:bodyPr/>
+                    <a:lstStyle/>
+                    <a:p>
+                      <a:r>
+                        <a:rPr lang="en-US" dirty="0"/>
+                        <a:t>3 min</a:t>
+                      </a:r>
+                    </a:p>
+                  </a:txBody>
+                  <a:tcPr/>
+                </a:tc>
+                <a:extLst>
+                  <a:ext uri="{0D108BD9-81ED-4DB2-BD59-A6C34878D82A}">
+                    <a16:rowId xmlns:a16="http://schemas.microsoft.com/office/drawing/2014/main" val="2823025288"/>
+                  </a:ext>
+                </a:extLst>
+              </a:tr>
+              <a:tr h="370840">
+                <a:tc>
+                  <a:txBody>
+                    <a:bodyPr/>
+                    <a:lstStyle/>
+                    <a:p>
+                      <a:r>
+                        <a:rPr lang="en-US" dirty="0"/>
+                        <a:t>4</a:t>
+                      </a:r>
+                    </a:p>
+                  </a:txBody>
+                  <a:tcPr/>
+                </a:tc>
+                <a:tc>
+                  <a:txBody>
+                    <a:bodyPr/>
+                    <a:lstStyle/>
+                    <a:p>
+                      <a:r>
+                        <a:rPr lang="en-US" dirty="0">
+                          <a:hlinkClick r:id="rId6"/>
+                        </a:rPr>
+                        <a:t>Chinese Video</a:t>
+                      </a:r>
+                      <a:endParaRPr lang="en-US" dirty="0"/>
+                    </a:p>
+                  </a:txBody>
+                  <a:tcPr/>
+                </a:tc>
+                <a:tc>
+                  <a:txBody>
+                    <a:bodyPr/>
+                    <a:lstStyle/>
+                    <a:p>
+                      <a:r>
+                        <a:rPr lang="en-US" dirty="0"/>
+                        <a:t>6 min</a:t>
+                      </a:r>
+                    </a:p>
+                  </a:txBody>
+                  <a:tcPr/>
+                </a:tc>
+                <a:extLst>
+                  <a:ext uri="{0D108BD9-81ED-4DB2-BD59-A6C34878D82A}">
+                    <a16:rowId xmlns:a16="http://schemas.microsoft.com/office/drawing/2014/main" val="4250529531"/>
+                  </a:ext>
+                </a:extLst>
+              </a:tr>
+            </a:tbl>
+          </a:graphicData>
+        </a:graphic>
+      </p:graphicFrame>
     </p:spTree>
   </p:cSld>
   <p:clrMapOvr>
